--- a/doc/git_workflow.pptx
+++ b/doc/git_workflow.pptx
@@ -106,6 +106,11 @@
       </a:defRPr>
     </a:lvl9pPr>
   </p:defaultTextStyle>
+  <p:extLst>
+    <p:ext uri="{EFAFB233-063F-42B5-8137-9DF3F51BA10A}">
+      <p15:sldGuideLst xmlns:p15="http://schemas.microsoft.com/office/powerpoint/2012/main"/>
+    </p:ext>
+  </p:extLst>
 </p:presentation>
 </file>
 
@@ -240,7 +245,7 @@
           <a:p>
             <a:fld id="{71E1F26E-4D96-464F-8976-1978778C0E8A}" type="datetimeFigureOut">
               <a:rPr lang="en-US" smtClean="0"/>
-              <a:t>7/9/2019</a:t>
+              <a:t>7/10/2019</a:t>
             </a:fld>
             <a:endParaRPr lang="en-US"/>
           </a:p>
@@ -410,7 +415,7 @@
           <a:p>
             <a:fld id="{71E1F26E-4D96-464F-8976-1978778C0E8A}" type="datetimeFigureOut">
               <a:rPr lang="en-US" smtClean="0"/>
-              <a:t>7/9/2019</a:t>
+              <a:t>7/10/2019</a:t>
             </a:fld>
             <a:endParaRPr lang="en-US"/>
           </a:p>
@@ -590,7 +595,7 @@
           <a:p>
             <a:fld id="{71E1F26E-4D96-464F-8976-1978778C0E8A}" type="datetimeFigureOut">
               <a:rPr lang="en-US" smtClean="0"/>
-              <a:t>7/9/2019</a:t>
+              <a:t>7/10/2019</a:t>
             </a:fld>
             <a:endParaRPr lang="en-US"/>
           </a:p>
@@ -760,7 +765,7 @@
           <a:p>
             <a:fld id="{71E1F26E-4D96-464F-8976-1978778C0E8A}" type="datetimeFigureOut">
               <a:rPr lang="en-US" smtClean="0"/>
-              <a:t>7/9/2019</a:t>
+              <a:t>7/10/2019</a:t>
             </a:fld>
             <a:endParaRPr lang="en-US"/>
           </a:p>
@@ -1006,7 +1011,7 @@
           <a:p>
             <a:fld id="{71E1F26E-4D96-464F-8976-1978778C0E8A}" type="datetimeFigureOut">
               <a:rPr lang="en-US" smtClean="0"/>
-              <a:t>7/9/2019</a:t>
+              <a:t>7/10/2019</a:t>
             </a:fld>
             <a:endParaRPr lang="en-US"/>
           </a:p>
@@ -1238,7 +1243,7 @@
           <a:p>
             <a:fld id="{71E1F26E-4D96-464F-8976-1978778C0E8A}" type="datetimeFigureOut">
               <a:rPr lang="en-US" smtClean="0"/>
-              <a:t>7/9/2019</a:t>
+              <a:t>7/10/2019</a:t>
             </a:fld>
             <a:endParaRPr lang="en-US"/>
           </a:p>
@@ -1605,7 +1610,7 @@
           <a:p>
             <a:fld id="{71E1F26E-4D96-464F-8976-1978778C0E8A}" type="datetimeFigureOut">
               <a:rPr lang="en-US" smtClean="0"/>
-              <a:t>7/9/2019</a:t>
+              <a:t>7/10/2019</a:t>
             </a:fld>
             <a:endParaRPr lang="en-US"/>
           </a:p>
@@ -1723,7 +1728,7 @@
           <a:p>
             <a:fld id="{71E1F26E-4D96-464F-8976-1978778C0E8A}" type="datetimeFigureOut">
               <a:rPr lang="en-US" smtClean="0"/>
-              <a:t>7/9/2019</a:t>
+              <a:t>7/10/2019</a:t>
             </a:fld>
             <a:endParaRPr lang="en-US"/>
           </a:p>
@@ -1818,7 +1823,7 @@
           <a:p>
             <a:fld id="{71E1F26E-4D96-464F-8976-1978778C0E8A}" type="datetimeFigureOut">
               <a:rPr lang="en-US" smtClean="0"/>
-              <a:t>7/9/2019</a:t>
+              <a:t>7/10/2019</a:t>
             </a:fld>
             <a:endParaRPr lang="en-US"/>
           </a:p>
@@ -2095,7 +2100,7 @@
           <a:p>
             <a:fld id="{71E1F26E-4D96-464F-8976-1978778C0E8A}" type="datetimeFigureOut">
               <a:rPr lang="en-US" smtClean="0"/>
-              <a:t>7/9/2019</a:t>
+              <a:t>7/10/2019</a:t>
             </a:fld>
             <a:endParaRPr lang="en-US"/>
           </a:p>
@@ -2348,7 +2353,7 @@
           <a:p>
             <a:fld id="{71E1F26E-4D96-464F-8976-1978778C0E8A}" type="datetimeFigureOut">
               <a:rPr lang="en-US" smtClean="0"/>
-              <a:t>7/9/2019</a:t>
+              <a:t>7/10/2019</a:t>
             </a:fld>
             <a:endParaRPr lang="en-US"/>
           </a:p>
@@ -2561,7 +2566,7 @@
           <a:p>
             <a:fld id="{71E1F26E-4D96-464F-8976-1978778C0E8A}" type="datetimeFigureOut">
               <a:rPr lang="en-US" smtClean="0"/>
-              <a:t>7/9/2019</a:t>
+              <a:t>7/10/2019</a:t>
             </a:fld>
             <a:endParaRPr lang="en-US"/>
           </a:p>
@@ -3902,7 +3907,37 @@
                   </a:schemeClr>
                 </a:solidFill>
               </a:rPr>
-              <a:t> pull         # (pull the recent from remote repo update first)</a:t>
+              <a:t> </a:t>
+            </a:r>
+            <a:r>
+              <a:rPr lang="en-US" sz="2000" smtClean="0">
+                <a:solidFill>
+                  <a:schemeClr val="accent2">
+                    <a:lumMod val="75000"/>
+                  </a:schemeClr>
+                </a:solidFill>
+              </a:rPr>
+              <a:t>pull </a:t>
+            </a:r>
+            <a:r>
+              <a:rPr lang="en-US" sz="2000" smtClean="0">
+                <a:solidFill>
+                  <a:schemeClr val="accent2">
+                    <a:lumMod val="75000"/>
+                  </a:schemeClr>
+                </a:solidFill>
+              </a:rPr>
+              <a:t>origin dev       </a:t>
+            </a:r>
+            <a:r>
+              <a:rPr lang="en-US" sz="2000" dirty="0" smtClean="0">
+                <a:solidFill>
+                  <a:schemeClr val="accent2">
+                    <a:lumMod val="75000"/>
+                  </a:schemeClr>
+                </a:solidFill>
+              </a:rPr>
+              <a:t># (pull the recent from remote repo update first)</a:t>
             </a:r>
           </a:p>
           <a:p>

--- a/doc/git_workflow.pptx
+++ b/doc/git_workflow.pptx
@@ -245,7 +245,7 @@
           <a:p>
             <a:fld id="{71E1F26E-4D96-464F-8976-1978778C0E8A}" type="datetimeFigureOut">
               <a:rPr lang="en-US" smtClean="0"/>
-              <a:t>7/10/2019</a:t>
+              <a:t>7/22/2019</a:t>
             </a:fld>
             <a:endParaRPr lang="en-US"/>
           </a:p>
@@ -415,7 +415,7 @@
           <a:p>
             <a:fld id="{71E1F26E-4D96-464F-8976-1978778C0E8A}" type="datetimeFigureOut">
               <a:rPr lang="en-US" smtClean="0"/>
-              <a:t>7/10/2019</a:t>
+              <a:t>7/22/2019</a:t>
             </a:fld>
             <a:endParaRPr lang="en-US"/>
           </a:p>
@@ -595,7 +595,7 @@
           <a:p>
             <a:fld id="{71E1F26E-4D96-464F-8976-1978778C0E8A}" type="datetimeFigureOut">
               <a:rPr lang="en-US" smtClean="0"/>
-              <a:t>7/10/2019</a:t>
+              <a:t>7/22/2019</a:t>
             </a:fld>
             <a:endParaRPr lang="en-US"/>
           </a:p>
@@ -765,7 +765,7 @@
           <a:p>
             <a:fld id="{71E1F26E-4D96-464F-8976-1978778C0E8A}" type="datetimeFigureOut">
               <a:rPr lang="en-US" smtClean="0"/>
-              <a:t>7/10/2019</a:t>
+              <a:t>7/22/2019</a:t>
             </a:fld>
             <a:endParaRPr lang="en-US"/>
           </a:p>
@@ -1011,7 +1011,7 @@
           <a:p>
             <a:fld id="{71E1F26E-4D96-464F-8976-1978778C0E8A}" type="datetimeFigureOut">
               <a:rPr lang="en-US" smtClean="0"/>
-              <a:t>7/10/2019</a:t>
+              <a:t>7/22/2019</a:t>
             </a:fld>
             <a:endParaRPr lang="en-US"/>
           </a:p>
@@ -1243,7 +1243,7 @@
           <a:p>
             <a:fld id="{71E1F26E-4D96-464F-8976-1978778C0E8A}" type="datetimeFigureOut">
               <a:rPr lang="en-US" smtClean="0"/>
-              <a:t>7/10/2019</a:t>
+              <a:t>7/22/2019</a:t>
             </a:fld>
             <a:endParaRPr lang="en-US"/>
           </a:p>
@@ -1610,7 +1610,7 @@
           <a:p>
             <a:fld id="{71E1F26E-4D96-464F-8976-1978778C0E8A}" type="datetimeFigureOut">
               <a:rPr lang="en-US" smtClean="0"/>
-              <a:t>7/10/2019</a:t>
+              <a:t>7/22/2019</a:t>
             </a:fld>
             <a:endParaRPr lang="en-US"/>
           </a:p>
@@ -1728,7 +1728,7 @@
           <a:p>
             <a:fld id="{71E1F26E-4D96-464F-8976-1978778C0E8A}" type="datetimeFigureOut">
               <a:rPr lang="en-US" smtClean="0"/>
-              <a:t>7/10/2019</a:t>
+              <a:t>7/22/2019</a:t>
             </a:fld>
             <a:endParaRPr lang="en-US"/>
           </a:p>
@@ -1823,7 +1823,7 @@
           <a:p>
             <a:fld id="{71E1F26E-4D96-464F-8976-1978778C0E8A}" type="datetimeFigureOut">
               <a:rPr lang="en-US" smtClean="0"/>
-              <a:t>7/10/2019</a:t>
+              <a:t>7/22/2019</a:t>
             </a:fld>
             <a:endParaRPr lang="en-US"/>
           </a:p>
@@ -2100,7 +2100,7 @@
           <a:p>
             <a:fld id="{71E1F26E-4D96-464F-8976-1978778C0E8A}" type="datetimeFigureOut">
               <a:rPr lang="en-US" smtClean="0"/>
-              <a:t>7/10/2019</a:t>
+              <a:t>7/22/2019</a:t>
             </a:fld>
             <a:endParaRPr lang="en-US"/>
           </a:p>
@@ -2353,7 +2353,7 @@
           <a:p>
             <a:fld id="{71E1F26E-4D96-464F-8976-1978778C0E8A}" type="datetimeFigureOut">
               <a:rPr lang="en-US" smtClean="0"/>
-              <a:t>7/10/2019</a:t>
+              <a:t>7/22/2019</a:t>
             </a:fld>
             <a:endParaRPr lang="en-US"/>
           </a:p>
@@ -2566,7 +2566,7 @@
           <a:p>
             <a:fld id="{71E1F26E-4D96-464F-8976-1978778C0E8A}" type="datetimeFigureOut">
               <a:rPr lang="en-US" smtClean="0"/>
-              <a:t>7/10/2019</a:t>
+              <a:t>7/22/2019</a:t>
             </a:fld>
             <a:endParaRPr lang="en-US"/>
           </a:p>
@@ -3712,7 +3712,7 @@
         <p:spPr>
           <a:xfrm>
             <a:off x="838200" y="1019212"/>
-            <a:ext cx="8826909" cy="5632311"/>
+            <a:ext cx="8826909" cy="5940088"/>
           </a:xfrm>
           <a:prstGeom prst="rect">
             <a:avLst/>
@@ -3773,8 +3773,17 @@
             </a:r>
             <a:r>
               <a:rPr lang="en-US" sz="2000" dirty="0" smtClean="0"/>
-              <a:t> fetch the ‘develop’ branch to the local repo</a:t>
-            </a:r>
+              <a:t> fetch the ‘develop’ branch to the local </a:t>
+            </a:r>
+            <a:r>
+              <a:rPr lang="en-US" sz="2000" dirty="0" smtClean="0"/>
+              <a:t>repo (You need go to the </a:t>
+            </a:r>
+            <a:r>
+              <a:rPr lang="en-US" sz="2000" smtClean="0"/>
+              <a:t>repository directory first)</a:t>
+            </a:r>
+            <a:endParaRPr lang="en-US" sz="2000" dirty="0" smtClean="0"/>
           </a:p>
           <a:p>
             <a:pPr marL="800100" lvl="1" indent="-342900">
@@ -3907,37 +3916,7 @@
                   </a:schemeClr>
                 </a:solidFill>
               </a:rPr>
-              <a:t> </a:t>
-            </a:r>
-            <a:r>
-              <a:rPr lang="en-US" sz="2000" smtClean="0">
-                <a:solidFill>
-                  <a:schemeClr val="accent2">
-                    <a:lumMod val="75000"/>
-                  </a:schemeClr>
-                </a:solidFill>
-              </a:rPr>
-              <a:t>pull </a:t>
-            </a:r>
-            <a:r>
-              <a:rPr lang="en-US" sz="2000" smtClean="0">
-                <a:solidFill>
-                  <a:schemeClr val="accent2">
-                    <a:lumMod val="75000"/>
-                  </a:schemeClr>
-                </a:solidFill>
-              </a:rPr>
-              <a:t>origin dev       </a:t>
-            </a:r>
-            <a:r>
-              <a:rPr lang="en-US" sz="2000" dirty="0" smtClean="0">
-                <a:solidFill>
-                  <a:schemeClr val="accent2">
-                    <a:lumMod val="75000"/>
-                  </a:schemeClr>
-                </a:solidFill>
-              </a:rPr>
-              <a:t># (pull the recent from remote repo update first)</a:t>
+              <a:t> pull origin dev       # (pull the recent from remote repo update first)</a:t>
             </a:r>
           </a:p>
           <a:p>

--- a/doc/git_workflow.pptx
+++ b/doc/git_workflow.pptx
@@ -245,7 +245,7 @@
           <a:p>
             <a:fld id="{71E1F26E-4D96-464F-8976-1978778C0E8A}" type="datetimeFigureOut">
               <a:rPr lang="en-US" smtClean="0"/>
-              <a:t>7/22/2019</a:t>
+              <a:t>8/6/2019</a:t>
             </a:fld>
             <a:endParaRPr lang="en-US"/>
           </a:p>
@@ -415,7 +415,7 @@
           <a:p>
             <a:fld id="{71E1F26E-4D96-464F-8976-1978778C0E8A}" type="datetimeFigureOut">
               <a:rPr lang="en-US" smtClean="0"/>
-              <a:t>7/22/2019</a:t>
+              <a:t>8/6/2019</a:t>
             </a:fld>
             <a:endParaRPr lang="en-US"/>
           </a:p>
@@ -595,7 +595,7 @@
           <a:p>
             <a:fld id="{71E1F26E-4D96-464F-8976-1978778C0E8A}" type="datetimeFigureOut">
               <a:rPr lang="en-US" smtClean="0"/>
-              <a:t>7/22/2019</a:t>
+              <a:t>8/6/2019</a:t>
             </a:fld>
             <a:endParaRPr lang="en-US"/>
           </a:p>
@@ -765,7 +765,7 @@
           <a:p>
             <a:fld id="{71E1F26E-4D96-464F-8976-1978778C0E8A}" type="datetimeFigureOut">
               <a:rPr lang="en-US" smtClean="0"/>
-              <a:t>7/22/2019</a:t>
+              <a:t>8/6/2019</a:t>
             </a:fld>
             <a:endParaRPr lang="en-US"/>
           </a:p>
@@ -1011,7 +1011,7 @@
           <a:p>
             <a:fld id="{71E1F26E-4D96-464F-8976-1978778C0E8A}" type="datetimeFigureOut">
               <a:rPr lang="en-US" smtClean="0"/>
-              <a:t>7/22/2019</a:t>
+              <a:t>8/6/2019</a:t>
             </a:fld>
             <a:endParaRPr lang="en-US"/>
           </a:p>
@@ -1243,7 +1243,7 @@
           <a:p>
             <a:fld id="{71E1F26E-4D96-464F-8976-1978778C0E8A}" type="datetimeFigureOut">
               <a:rPr lang="en-US" smtClean="0"/>
-              <a:t>7/22/2019</a:t>
+              <a:t>8/6/2019</a:t>
             </a:fld>
             <a:endParaRPr lang="en-US"/>
           </a:p>
@@ -1610,7 +1610,7 @@
           <a:p>
             <a:fld id="{71E1F26E-4D96-464F-8976-1978778C0E8A}" type="datetimeFigureOut">
               <a:rPr lang="en-US" smtClean="0"/>
-              <a:t>7/22/2019</a:t>
+              <a:t>8/6/2019</a:t>
             </a:fld>
             <a:endParaRPr lang="en-US"/>
           </a:p>
@@ -1728,7 +1728,7 @@
           <a:p>
             <a:fld id="{71E1F26E-4D96-464F-8976-1978778C0E8A}" type="datetimeFigureOut">
               <a:rPr lang="en-US" smtClean="0"/>
-              <a:t>7/22/2019</a:t>
+              <a:t>8/6/2019</a:t>
             </a:fld>
             <a:endParaRPr lang="en-US"/>
           </a:p>
@@ -1823,7 +1823,7 @@
           <a:p>
             <a:fld id="{71E1F26E-4D96-464F-8976-1978778C0E8A}" type="datetimeFigureOut">
               <a:rPr lang="en-US" smtClean="0"/>
-              <a:t>7/22/2019</a:t>
+              <a:t>8/6/2019</a:t>
             </a:fld>
             <a:endParaRPr lang="en-US"/>
           </a:p>
@@ -2100,7 +2100,7 @@
           <a:p>
             <a:fld id="{71E1F26E-4D96-464F-8976-1978778C0E8A}" type="datetimeFigureOut">
               <a:rPr lang="en-US" smtClean="0"/>
-              <a:t>7/22/2019</a:t>
+              <a:t>8/6/2019</a:t>
             </a:fld>
             <a:endParaRPr lang="en-US"/>
           </a:p>
@@ -2353,7 +2353,7 @@
           <a:p>
             <a:fld id="{71E1F26E-4D96-464F-8976-1978778C0E8A}" type="datetimeFigureOut">
               <a:rPr lang="en-US" smtClean="0"/>
-              <a:t>7/22/2019</a:t>
+              <a:t>8/6/2019</a:t>
             </a:fld>
             <a:endParaRPr lang="en-US"/>
           </a:p>
@@ -2566,7 +2566,7 @@
           <a:p>
             <a:fld id="{71E1F26E-4D96-464F-8976-1978778C0E8A}" type="datetimeFigureOut">
               <a:rPr lang="en-US" smtClean="0"/>
-              <a:t>7/22/2019</a:t>
+              <a:t>8/6/2019</a:t>
             </a:fld>
             <a:endParaRPr lang="en-US"/>
           </a:p>
@@ -3773,11 +3773,7 @@
             </a:r>
             <a:r>
               <a:rPr lang="en-US" sz="2000" dirty="0" smtClean="0"/>
-              <a:t> fetch the ‘develop’ branch to the local </a:t>
-            </a:r>
-            <a:r>
-              <a:rPr lang="en-US" sz="2000" dirty="0" smtClean="0"/>
-              <a:t>repo (You need go to the </a:t>
+              <a:t> fetch the ‘develop’ branch to the local repo (You need go to the </a:t>
             </a:r>
             <a:r>
               <a:rPr lang="en-US" sz="2000" smtClean="0"/>
@@ -4230,8 +4226,8 @@
         </p:nvSpPr>
         <p:spPr>
           <a:xfrm>
-            <a:off x="1155290" y="1553496"/>
-            <a:ext cx="10456607" cy="2031325"/>
+            <a:off x="867696" y="2369573"/>
+            <a:ext cx="10456607" cy="923330"/>
           </a:xfrm>
           <a:prstGeom prst="rect">
             <a:avLst/>
@@ -4276,57 +4272,19 @@
                   </a:schemeClr>
                 </a:solidFill>
               </a:rPr>
-              <a:t> tag v1.1</a:t>
-            </a:r>
-          </a:p>
-          <a:p>
-            <a:endParaRPr lang="en-US" dirty="0"/>
-          </a:p>
-          <a:p>
-            <a:r>
-              <a:rPr lang="en-US" dirty="0" smtClean="0"/>
-              <a:t>There is also a </a:t>
-            </a:r>
-            <a:r>
-              <a:rPr lang="en-US" dirty="0" err="1" smtClean="0"/>
-              <a:t>config</a:t>
-            </a:r>
-            <a:r>
-              <a:rPr lang="en-US" dirty="0" smtClean="0"/>
-              <a:t> parameter of ‘</a:t>
-            </a:r>
-            <a:r>
-              <a:rPr lang="en-US" dirty="0" err="1" smtClean="0"/>
-              <a:t>programVersion</a:t>
-            </a:r>
-            <a:r>
-              <a:rPr lang="en-US" dirty="0" smtClean="0"/>
-              <a:t>’ in </a:t>
-            </a:r>
-            <a:r>
-              <a:rPr lang="en-US" dirty="0" err="1" smtClean="0"/>
-              <a:t>Pollynet_Processing_Chain</a:t>
-            </a:r>
-            <a:r>
-              <a:rPr lang="en-US" dirty="0" smtClean="0"/>
-              <a:t>/</a:t>
-            </a:r>
-            <a:r>
-              <a:rPr lang="en-US" dirty="0" err="1" smtClean="0"/>
-              <a:t>config</a:t>
-            </a:r>
-            <a:r>
-              <a:rPr lang="en-US" dirty="0" smtClean="0"/>
-              <a:t>/</a:t>
-            </a:r>
-            <a:r>
-              <a:rPr lang="en-US" dirty="0" err="1" smtClean="0"/>
-              <a:t>pollynet_processing_chain_config.json</a:t>
-            </a:r>
-            <a:r>
-              <a:rPr lang="en-US" dirty="0" smtClean="0"/>
-              <a:t>. Remember those two version number should be unified.</a:t>
-            </a:r>
+              <a:t> tag </a:t>
+            </a:r>
+            <a:r>
+              <a:rPr lang="en-US" dirty="0" smtClean="0">
+                <a:solidFill>
+                  <a:schemeClr val="accent2">
+                    <a:lumMod val="75000"/>
+                  </a:schemeClr>
+                </a:solidFill>
+              </a:rPr>
+              <a:t>v1.1</a:t>
+            </a:r>
+            <a:endParaRPr lang="en-US" dirty="0" smtClean="0"/>
           </a:p>
         </p:txBody>
       </p:sp>

--- a/doc/git_workflow.pptx
+++ b/doc/git_workflow.pptx
@@ -4227,7 +4227,7 @@
         <p:spPr>
           <a:xfrm>
             <a:off x="867696" y="2369573"/>
-            <a:ext cx="10456607" cy="923330"/>
+            <a:ext cx="10456607" cy="1200329"/>
           </a:xfrm>
           <a:prstGeom prst="rect">
             <a:avLst/>
@@ -4284,6 +4284,32 @@
               </a:rPr>
               <a:t>v1.1</a:t>
             </a:r>
+          </a:p>
+          <a:p>
+            <a:pPr marL="742950" lvl="1" indent="-285750">
+              <a:buFont typeface="Wingdings" panose="05000000000000000000" pitchFamily="2" charset="2"/>
+              <a:buChar char="Ø"/>
+            </a:pPr>
+            <a:r>
+              <a:rPr lang="en-US" dirty="0" err="1" smtClean="0">
+                <a:solidFill>
+                  <a:schemeClr val="accent2">
+                    <a:lumMod val="75000"/>
+                  </a:schemeClr>
+                </a:solidFill>
+              </a:rPr>
+              <a:t>git</a:t>
+            </a:r>
+            <a:r>
+              <a:rPr lang="en-US" dirty="0" smtClean="0">
+                <a:solidFill>
+                  <a:schemeClr val="accent2">
+                    <a:lumMod val="75000"/>
+                  </a:schemeClr>
+                </a:solidFill>
+              </a:rPr>
+              <a:t> push --tags</a:t>
+            </a:r>
             <a:endParaRPr lang="en-US" dirty="0" smtClean="0"/>
           </a:p>
         </p:txBody>
@@ -4296,7 +4322,7 @@
         </p:nvSpPr>
         <p:spPr>
           <a:xfrm>
-            <a:off x="1155290" y="4588526"/>
+            <a:off x="1048363" y="3674126"/>
             <a:ext cx="10095271" cy="369332"/>
           </a:xfrm>
           <a:prstGeom prst="rect">
@@ -4330,6 +4356,102 @@
               <a:rPr lang="en-US" dirty="0" smtClean="0"/>
               <a:t> files accordingly.</a:t>
             </a:r>
+            <a:endParaRPr lang="en-US" dirty="0"/>
+          </a:p>
+        </p:txBody>
+      </p:sp>
+      <p:sp>
+        <p:nvSpPr>
+          <p:cNvPr id="5" name="TextBox 4"/>
+          <p:cNvSpPr txBox="1"/>
+          <p:nvPr/>
+        </p:nvSpPr>
+        <p:spPr>
+          <a:xfrm>
+            <a:off x="838200" y="4965291"/>
+            <a:ext cx="9937956" cy="1477328"/>
+          </a:xfrm>
+          <a:prstGeom prst="rect">
+            <a:avLst/>
+          </a:prstGeom>
+          <a:noFill/>
+        </p:spPr>
+        <p:txBody>
+          <a:bodyPr wrap="square" rtlCol="0">
+            <a:spAutoFit/>
+          </a:bodyPr>
+          <a:lstStyle/>
+          <a:p>
+            <a:r>
+              <a:rPr lang="en-US" dirty="0" smtClean="0"/>
+              <a:t>Delete a tag?</a:t>
+            </a:r>
+          </a:p>
+          <a:p>
+            <a:pPr marL="742950" lvl="1" indent="-285750">
+              <a:buFont typeface="Wingdings" panose="05000000000000000000" pitchFamily="2" charset="2"/>
+              <a:buChar char="Ø"/>
+            </a:pPr>
+            <a:r>
+              <a:rPr lang="en-US" dirty="0" err="1" smtClean="0"/>
+              <a:t>git</a:t>
+            </a:r>
+            <a:r>
+              <a:rPr lang="en-US" dirty="0" smtClean="0"/>
+              <a:t> push --delete origin </a:t>
+            </a:r>
+            <a:r>
+              <a:rPr lang="en-US" dirty="0" err="1" smtClean="0"/>
+              <a:t>tagNames</a:t>
+            </a:r>
+            <a:r>
+              <a:rPr lang="en-US" dirty="0" smtClean="0"/>
+              <a:t>  # remove remote </a:t>
+            </a:r>
+            <a:r>
+              <a:rPr lang="en-US" dirty="0" err="1" smtClean="0"/>
+              <a:t>git</a:t>
+            </a:r>
+            <a:r>
+              <a:rPr lang="en-US" dirty="0" smtClean="0"/>
+              <a:t> tags</a:t>
+            </a:r>
+          </a:p>
+          <a:p>
+            <a:pPr marL="742950" lvl="1" indent="-285750">
+              <a:buFont typeface="Wingdings" panose="05000000000000000000" pitchFamily="2" charset="2"/>
+              <a:buChar char="Ø"/>
+            </a:pPr>
+            <a:r>
+              <a:rPr lang="en-US" dirty="0" err="1" smtClean="0"/>
+              <a:t>git</a:t>
+            </a:r>
+            <a:r>
+              <a:rPr lang="en-US" dirty="0" smtClean="0"/>
+              <a:t> tag –d </a:t>
+            </a:r>
+            <a:r>
+              <a:rPr lang="en-US" dirty="0" err="1" smtClean="0"/>
+              <a:t>tagNames</a:t>
+            </a:r>
+            <a:r>
+              <a:rPr lang="en-US" dirty="0" smtClean="0"/>
+              <a:t>   # remove local </a:t>
+            </a:r>
+            <a:r>
+              <a:rPr lang="en-US" dirty="0" err="1" smtClean="0"/>
+              <a:t>git</a:t>
+            </a:r>
+            <a:r>
+              <a:rPr lang="en-US" dirty="0" smtClean="0"/>
+              <a:t> tags</a:t>
+            </a:r>
+            <a:endParaRPr lang="en-US" dirty="0"/>
+          </a:p>
+          <a:p>
+            <a:endParaRPr lang="en-US" dirty="0" smtClean="0"/>
+          </a:p>
+          <a:p>
             <a:endParaRPr lang="en-US" dirty="0"/>
           </a:p>
         </p:txBody>

--- a/doc/git_workflow.pptx
+++ b/doc/git_workflow.pptx
@@ -245,7 +245,7 @@
           <a:p>
             <a:fld id="{71E1F26E-4D96-464F-8976-1978778C0E8A}" type="datetimeFigureOut">
               <a:rPr lang="en-US" smtClean="0"/>
-              <a:t>8/6/2019</a:t>
+              <a:t>8/19/2019</a:t>
             </a:fld>
             <a:endParaRPr lang="en-US"/>
           </a:p>
@@ -415,7 +415,7 @@
           <a:p>
             <a:fld id="{71E1F26E-4D96-464F-8976-1978778C0E8A}" type="datetimeFigureOut">
               <a:rPr lang="en-US" smtClean="0"/>
-              <a:t>8/6/2019</a:t>
+              <a:t>8/19/2019</a:t>
             </a:fld>
             <a:endParaRPr lang="en-US"/>
           </a:p>
@@ -595,7 +595,7 @@
           <a:p>
             <a:fld id="{71E1F26E-4D96-464F-8976-1978778C0E8A}" type="datetimeFigureOut">
               <a:rPr lang="en-US" smtClean="0"/>
-              <a:t>8/6/2019</a:t>
+              <a:t>8/19/2019</a:t>
             </a:fld>
             <a:endParaRPr lang="en-US"/>
           </a:p>
@@ -765,7 +765,7 @@
           <a:p>
             <a:fld id="{71E1F26E-4D96-464F-8976-1978778C0E8A}" type="datetimeFigureOut">
               <a:rPr lang="en-US" smtClean="0"/>
-              <a:t>8/6/2019</a:t>
+              <a:t>8/19/2019</a:t>
             </a:fld>
             <a:endParaRPr lang="en-US"/>
           </a:p>
@@ -1011,7 +1011,7 @@
           <a:p>
             <a:fld id="{71E1F26E-4D96-464F-8976-1978778C0E8A}" type="datetimeFigureOut">
               <a:rPr lang="en-US" smtClean="0"/>
-              <a:t>8/6/2019</a:t>
+              <a:t>8/19/2019</a:t>
             </a:fld>
             <a:endParaRPr lang="en-US"/>
           </a:p>
@@ -1243,7 +1243,7 @@
           <a:p>
             <a:fld id="{71E1F26E-4D96-464F-8976-1978778C0E8A}" type="datetimeFigureOut">
               <a:rPr lang="en-US" smtClean="0"/>
-              <a:t>8/6/2019</a:t>
+              <a:t>8/19/2019</a:t>
             </a:fld>
             <a:endParaRPr lang="en-US"/>
           </a:p>
@@ -1610,7 +1610,7 @@
           <a:p>
             <a:fld id="{71E1F26E-4D96-464F-8976-1978778C0E8A}" type="datetimeFigureOut">
               <a:rPr lang="en-US" smtClean="0"/>
-              <a:t>8/6/2019</a:t>
+              <a:t>8/19/2019</a:t>
             </a:fld>
             <a:endParaRPr lang="en-US"/>
           </a:p>
@@ -1728,7 +1728,7 @@
           <a:p>
             <a:fld id="{71E1F26E-4D96-464F-8976-1978778C0E8A}" type="datetimeFigureOut">
               <a:rPr lang="en-US" smtClean="0"/>
-              <a:t>8/6/2019</a:t>
+              <a:t>8/19/2019</a:t>
             </a:fld>
             <a:endParaRPr lang="en-US"/>
           </a:p>
@@ -1823,7 +1823,7 @@
           <a:p>
             <a:fld id="{71E1F26E-4D96-464F-8976-1978778C0E8A}" type="datetimeFigureOut">
               <a:rPr lang="en-US" smtClean="0"/>
-              <a:t>8/6/2019</a:t>
+              <a:t>8/19/2019</a:t>
             </a:fld>
             <a:endParaRPr lang="en-US"/>
           </a:p>
@@ -2100,7 +2100,7 @@
           <a:p>
             <a:fld id="{71E1F26E-4D96-464F-8976-1978778C0E8A}" type="datetimeFigureOut">
               <a:rPr lang="en-US" smtClean="0"/>
-              <a:t>8/6/2019</a:t>
+              <a:t>8/19/2019</a:t>
             </a:fld>
             <a:endParaRPr lang="en-US"/>
           </a:p>
@@ -2353,7 +2353,7 @@
           <a:p>
             <a:fld id="{71E1F26E-4D96-464F-8976-1978778C0E8A}" type="datetimeFigureOut">
               <a:rPr lang="en-US" smtClean="0"/>
-              <a:t>8/6/2019</a:t>
+              <a:t>8/19/2019</a:t>
             </a:fld>
             <a:endParaRPr lang="en-US"/>
           </a:p>
@@ -2566,7 +2566,7 @@
           <a:p>
             <a:fld id="{71E1F26E-4D96-464F-8976-1978778C0E8A}" type="datetimeFigureOut">
               <a:rPr lang="en-US" smtClean="0"/>
-              <a:t>8/6/2019</a:t>
+              <a:t>8/19/2019</a:t>
             </a:fld>
             <a:endParaRPr lang="en-US"/>
           </a:p>
@@ -3773,11 +3773,11 @@
             </a:r>
             <a:r>
               <a:rPr lang="en-US" sz="2000" dirty="0" smtClean="0"/>
-              <a:t> fetch the ‘develop’ branch to the local repo (You need go to the </a:t>
-            </a:r>
-            <a:r>
-              <a:rPr lang="en-US" sz="2000" smtClean="0"/>
-              <a:t>repository directory first)</a:t>
+              <a:t> fetch the ‘develop’ branch to the local repo (You need go to the repository directory first</a:t>
+            </a:r>
+            <a:r>
+              <a:rPr lang="en-US" sz="2000" dirty="0" smtClean="0"/>
+              <a:t>) </a:t>
             </a:r>
             <a:endParaRPr lang="en-US" sz="2000" dirty="0" smtClean="0"/>
           </a:p>
@@ -4272,17 +4272,7 @@
                   </a:schemeClr>
                 </a:solidFill>
               </a:rPr>
-              <a:t> tag </a:t>
-            </a:r>
-            <a:r>
-              <a:rPr lang="en-US" dirty="0" smtClean="0">
-                <a:solidFill>
-                  <a:schemeClr val="accent2">
-                    <a:lumMod val="75000"/>
-                  </a:schemeClr>
-                </a:solidFill>
-              </a:rPr>
-              <a:t>v1.1</a:t>
+              <a:t> tag v1.1</a:t>
             </a:r>
           </a:p>
           <a:p>
